--- a/WFAAgent TCP소켓 패킷구조.pptx
+++ b/WFAAgent TCP소켓 패킷구조.pptx
@@ -6,6 +6,7 @@
   </p:sldMasterIdLst>
   <p:sldIdLst>
     <p:sldId id="256" r:id="rId5"/>
+    <p:sldId id="257" r:id="rId6"/>
   </p:sldIdLst>
   <p:sldSz cx="12192000" cy="6858000"/>
   <p:notesSz cx="6858000" cy="9144000"/>
@@ -3348,8 +3349,8 @@
         </p:nvSpPr>
         <p:spPr>
           <a:xfrm>
-            <a:off x="1380226" y="2044460"/>
-            <a:ext cx="5102872" cy="369332"/>
+            <a:off x="929875" y="2044460"/>
+            <a:ext cx="5391412" cy="369332"/>
           </a:xfrm>
           <a:prstGeom prst="rect">
             <a:avLst/>
@@ -3362,6 +3363,10 @@
           </a:bodyPr>
           <a:lstStyle/>
           <a:p>
+            <a:pPr marL="285750" indent="-285750">
+              <a:buFont typeface="Arial" panose="020B0604020202020204" pitchFamily="34" charset="0"/>
+              <a:buChar char="•"/>
+            </a:pPr>
             <a:r>
               <a:rPr lang="en-US" altLang="ko-KR" b="1" dirty="0" err="1"/>
               <a:t>WFAAgent</a:t>
@@ -4116,6 +4121,66 @@
 </p:sld>
 </file>
 
+<file path=ppt/slides/slide2.xml><?xml version="1.0" encoding="utf-8"?>
+<p:sld xmlns:a="http://schemas.openxmlformats.org/drawingml/2006/main" xmlns:r="http://schemas.openxmlformats.org/officeDocument/2006/relationships" xmlns:p="http://schemas.openxmlformats.org/presentationml/2006/main">
+  <p:cSld>
+    <p:spTree>
+      <p:nvGrpSpPr>
+        <p:cNvPr id="1" name=""/>
+        <p:cNvGrpSpPr/>
+        <p:nvPr/>
+      </p:nvGrpSpPr>
+      <p:grpSpPr>
+        <a:xfrm>
+          <a:off x="0" y="0"/>
+          <a:ext cx="0" cy="0"/>
+          <a:chOff x="0" y="0"/>
+          <a:chExt cx="0" cy="0"/>
+        </a:xfrm>
+      </p:grpSpPr>
+      <p:pic>
+        <p:nvPicPr>
+          <p:cNvPr id="7" name="그림 6">
+            <a:extLst>
+              <a:ext uri="{FF2B5EF4-FFF2-40B4-BE49-F238E27FC236}">
+                <a16:creationId xmlns:a16="http://schemas.microsoft.com/office/drawing/2014/main" id="{C2CEC10F-CA1D-D225-1635-1EEA1017940C}"/>
+              </a:ext>
+            </a:extLst>
+          </p:cNvPr>
+          <p:cNvPicPr>
+            <a:picLocks noChangeAspect="1"/>
+          </p:cNvPicPr>
+          <p:nvPr/>
+        </p:nvPicPr>
+        <p:blipFill>
+          <a:blip r:embed="rId2"/>
+          <a:stretch>
+            <a:fillRect/>
+          </a:stretch>
+        </p:blipFill>
+        <p:spPr>
+          <a:xfrm>
+            <a:off x="0" y="1645893"/>
+            <a:ext cx="12192000" cy="3030503"/>
+          </a:xfrm>
+          <a:prstGeom prst="rect">
+            <a:avLst/>
+          </a:prstGeom>
+        </p:spPr>
+      </p:pic>
+    </p:spTree>
+    <p:extLst>
+      <p:ext uri="{BB962C8B-B14F-4D97-AF65-F5344CB8AC3E}">
+        <p14:creationId xmlns:p14="http://schemas.microsoft.com/office/powerpoint/2010/main" val="1974981804"/>
+      </p:ext>
+    </p:extLst>
+  </p:cSld>
+  <p:clrMapOvr>
+    <a:masterClrMapping/>
+  </p:clrMapOvr>
+</p:sld>
+</file>
+
 <file path=ppt/theme/theme1.xml><?xml version="1.0" encoding="utf-8"?>
 <a:theme xmlns:a="http://schemas.openxmlformats.org/drawingml/2006/main" name="Office 테마">
   <a:themeElements>
@@ -4412,21 +4477,6 @@
 </file>
 
 <file path=customXml/item1.xml><?xml version="1.0" encoding="utf-8"?>
-<p:properties xmlns:p="http://schemas.microsoft.com/office/2006/metadata/properties" xmlns:xsi="http://www.w3.org/2001/XMLSchema-instance" xmlns:pc="http://schemas.microsoft.com/office/infopath/2007/PartnerControls">
-  <documentManagement/>
-</p:properties>
-</file>
-
-<file path=customXml/item2.xml><?xml version="1.0" encoding="utf-8"?>
-<?mso-contentType ?>
-<FormTemplates xmlns="http://schemas.microsoft.com/sharepoint/v3/contenttype/forms">
-  <Display>DocumentLibraryForm</Display>
-  <Edit>DocumentLibraryForm</Edit>
-  <New>DocumentLibraryForm</New>
-</FormTemplates>
-</file>
-
-<file path=customXml/item3.xml><?xml version="1.0" encoding="utf-8"?>
 <ct:contentTypeSchema xmlns:ct="http://schemas.microsoft.com/office/2006/metadata/contentType" xmlns:ma="http://schemas.microsoft.com/office/2006/metadata/properties/metaAttributes" ct:_="" ma:_="" ma:contentTypeName="문서" ma:contentTypeID="0x0101000A8A96BB72180A4DADE8C6068D67E1D4" ma:contentTypeVersion="10" ma:contentTypeDescription="새 문서를 만듭니다." ma:contentTypeScope="" ma:versionID="16b156beef954a935a1f16db63f13baa">
   <xsd:schema xmlns:xsd="http://www.w3.org/2001/XMLSchema" xmlns:xs="http://www.w3.org/2001/XMLSchema" xmlns:p="http://schemas.microsoft.com/office/2006/metadata/properties" xmlns:ns3="18bcef3e-2828-4a4c-b799-ea1abf16fa24" targetNamespace="http://schemas.microsoft.com/office/2006/metadata/properties" ma:root="true" ma:fieldsID="7e9120c0a331c27c3f76d1e063281cdf" ns3:_="">
     <xsd:import namespace="18bcef3e-2828-4a4c-b799-ea1abf16fa24"/>
@@ -4610,31 +4660,22 @@
 </ct:contentTypeSchema>
 </file>
 
-<file path=customXml/itemProps1.xml><?xml version="1.0" encoding="utf-8"?>
-<ds:datastoreItem xmlns:ds="http://schemas.openxmlformats.org/officeDocument/2006/customXml" ds:itemID="{B7B00699-2C92-467B-9CC1-18F32CDFF781}">
-  <ds:schemaRefs>
-    <ds:schemaRef ds:uri="http://schemas.microsoft.com/office/2006/documentManagement/types"/>
-    <ds:schemaRef ds:uri="http://schemas.microsoft.com/office/2006/metadata/properties"/>
-    <ds:schemaRef ds:uri="http://purl.org/dc/terms/"/>
-    <ds:schemaRef ds:uri="http://purl.org/dc/elements/1.1/"/>
-    <ds:schemaRef ds:uri="18bcef3e-2828-4a4c-b799-ea1abf16fa24"/>
-    <ds:schemaRef ds:uri="http://www.w3.org/XML/1998/namespace"/>
-    <ds:schemaRef ds:uri="http://schemas.microsoft.com/office/infopath/2007/PartnerControls"/>
-    <ds:schemaRef ds:uri="http://schemas.openxmlformats.org/package/2006/metadata/core-properties"/>
-    <ds:schemaRef ds:uri="http://purl.org/dc/dcmitype/"/>
-  </ds:schemaRefs>
-</ds:datastoreItem>
+<file path=customXml/item2.xml><?xml version="1.0" encoding="utf-8"?>
+<?mso-contentType ?>
+<FormTemplates xmlns="http://schemas.microsoft.com/sharepoint/v3/contenttype/forms">
+  <Display>DocumentLibraryForm</Display>
+  <Edit>DocumentLibraryForm</Edit>
+  <New>DocumentLibraryForm</New>
+</FormTemplates>
 </file>
 
-<file path=customXml/itemProps2.xml><?xml version="1.0" encoding="utf-8"?>
-<ds:datastoreItem xmlns:ds="http://schemas.openxmlformats.org/officeDocument/2006/customXml" ds:itemID="{06C64C0E-B3C5-493A-9162-D7B60485A8AD}">
-  <ds:schemaRefs>
-    <ds:schemaRef ds:uri="http://schemas.microsoft.com/sharepoint/v3/contenttype/forms"/>
-  </ds:schemaRefs>
-</ds:datastoreItem>
+<file path=customXml/item3.xml><?xml version="1.0" encoding="utf-8"?>
+<p:properties xmlns:p="http://schemas.microsoft.com/office/2006/metadata/properties" xmlns:xsi="http://www.w3.org/2001/XMLSchema-instance" xmlns:pc="http://schemas.microsoft.com/office/infopath/2007/PartnerControls">
+  <documentManagement/>
+</p:properties>
 </file>
 
-<file path=customXml/itemProps3.xml><?xml version="1.0" encoding="utf-8"?>
+<file path=customXml/itemProps1.xml><?xml version="1.0" encoding="utf-8"?>
 <ds:datastoreItem xmlns:ds="http://schemas.openxmlformats.org/officeDocument/2006/customXml" ds:itemID="{65CE2AE8-4F34-4B51-B385-005410E9F016}">
   <ds:schemaRefs>
     <ds:schemaRef ds:uri="http://schemas.microsoft.com/office/2006/metadata/contentType"/>
@@ -4650,4 +4691,28 @@
     <ds:schemaRef ds:uri="http://schemas.microsoft.com/internal/obd"/>
   </ds:schemaRefs>
 </ds:datastoreItem>
+</file>
+
+<file path=customXml/itemProps2.xml><?xml version="1.0" encoding="utf-8"?>
+<ds:datastoreItem xmlns:ds="http://schemas.openxmlformats.org/officeDocument/2006/customXml" ds:itemID="{06C64C0E-B3C5-493A-9162-D7B60485A8AD}">
+  <ds:schemaRefs>
+    <ds:schemaRef ds:uri="http://schemas.microsoft.com/sharepoint/v3/contenttype/forms"/>
+  </ds:schemaRefs>
+</ds:datastoreItem>
+</file>
+
+<file path=customXml/itemProps3.xml><?xml version="1.0" encoding="utf-8"?>
+<ds:datastoreItem xmlns:ds="http://schemas.openxmlformats.org/officeDocument/2006/customXml" ds:itemID="{B7B00699-2C92-467B-9CC1-18F32CDFF781}">
+  <ds:schemaRefs>
+    <ds:schemaRef ds:uri="http://schemas.microsoft.com/office/2006/documentManagement/types"/>
+    <ds:schemaRef ds:uri="http://schemas.microsoft.com/office/2006/metadata/properties"/>
+    <ds:schemaRef ds:uri="http://purl.org/dc/terms/"/>
+    <ds:schemaRef ds:uri="http://purl.org/dc/elements/1.1/"/>
+    <ds:schemaRef ds:uri="18bcef3e-2828-4a4c-b799-ea1abf16fa24"/>
+    <ds:schemaRef ds:uri="http://www.w3.org/XML/1998/namespace"/>
+    <ds:schemaRef ds:uri="http://schemas.microsoft.com/office/infopath/2007/PartnerControls"/>
+    <ds:schemaRef ds:uri="http://schemas.openxmlformats.org/package/2006/metadata/core-properties"/>
+    <ds:schemaRef ds:uri="http://purl.org/dc/dcmitype/"/>
+  </ds:schemaRefs>
+</ds:datastoreItem>
 </file>
--- a/WFAAgent TCP소켓 패킷구조.pptx
+++ b/WFAAgent TCP소켓 패킷구조.pptx
@@ -3635,7 +3635,7 @@
                 </p:nvSpPr>
                 <p:spPr>
                   <a:xfrm>
-                    <a:off x="1475125" y="2841245"/>
+                    <a:off x="1716665" y="2823521"/>
                     <a:ext cx="1641894" cy="963003"/>
                   </a:xfrm>
                   <a:prstGeom prst="rect">
@@ -3723,7 +3723,7 @@
               </p:nvSpPr>
               <p:spPr>
                 <a:xfrm>
-                  <a:off x="3211911" y="2828305"/>
+                  <a:off x="3453451" y="2810581"/>
                   <a:ext cx="914400" cy="963003"/>
                 </a:xfrm>
                 <a:prstGeom prst="rect">
@@ -3783,7 +3783,7 @@
               </p:nvSpPr>
               <p:spPr>
                 <a:xfrm>
-                  <a:off x="4221201" y="2841245"/>
+                  <a:off x="4462741" y="2823521"/>
                   <a:ext cx="727495" cy="963003"/>
                 </a:xfrm>
                 <a:prstGeom prst="rect">
@@ -3813,7 +3813,7 @@
                   <a:pPr algn="ctr"/>
                   <a:r>
                     <a:rPr lang="en-US" altLang="ko-KR" sz="1000" b="1" dirty="0"/>
-                    <a:t>Type </a:t>
+                    <a:t>Data Type </a:t>
                   </a:r>
                 </a:p>
                 <a:p>
@@ -3839,7 +3839,7 @@
               </p:nvSpPr>
               <p:spPr>
                 <a:xfrm>
-                  <a:off x="5043586" y="2841245"/>
+                  <a:off x="5285126" y="2823521"/>
                   <a:ext cx="1282459" cy="963003"/>
                 </a:xfrm>
                 <a:prstGeom prst="rect">
@@ -3892,6 +3892,24 @@
                     <a:t>(1Byte)</a:t>
                   </a:r>
                 </a:p>
+                <a:p>
+                  <a:pPr algn="ctr"/>
+                  <a:endParaRPr lang="en-US" altLang="ko-KR" sz="1000" b="1" dirty="0">
+                    <a:latin typeface="+mn-ea"/>
+                  </a:endParaRPr>
+                </a:p>
+                <a:p>
+                  <a:pPr algn="ctr"/>
+                  <a:r>
+                    <a:rPr lang="en-US" altLang="ko-KR" sz="1000" b="1" dirty="0" err="1">
+                      <a:latin typeface="+mn-ea"/>
+                    </a:rPr>
+                    <a:t>Text,Binary</a:t>
+                  </a:r>
+                  <a:endParaRPr lang="en-US" altLang="ko-KR" sz="1000" b="1" dirty="0">
+                    <a:latin typeface="+mn-ea"/>
+                  </a:endParaRPr>
+                </a:p>
               </p:txBody>
             </p:sp>
             <p:sp>
@@ -3908,7 +3926,7 @@
               </p:nvSpPr>
               <p:spPr>
                 <a:xfrm>
-                  <a:off x="6420935" y="2841245"/>
+                  <a:off x="6662475" y="2823521"/>
                   <a:ext cx="914401" cy="963003"/>
                 </a:xfrm>
                 <a:prstGeom prst="rect">
@@ -4046,8 +4064,8 @@
           </p:nvSpPr>
           <p:spPr>
             <a:xfrm>
-              <a:off x="7145547" y="2974632"/>
-              <a:ext cx="1282460" cy="1406103"/>
+              <a:off x="7378468" y="2948752"/>
+              <a:ext cx="621101" cy="1406103"/>
             </a:xfrm>
             <a:prstGeom prst="rect">
               <a:avLst/>
@@ -4081,7 +4099,25 @@
                   </a:solidFill>
                   <a:latin typeface="+mn-ea"/>
                 </a:rPr>
-                <a:t>추 후에 사용될 </a:t>
+                <a:t>추 후</a:t>
+              </a:r>
+              <a:endParaRPr lang="en-US" altLang="ko-KR" sz="1000" b="1" dirty="0">
+                <a:solidFill>
+                  <a:schemeClr val="bg1"/>
+                </a:solidFill>
+                <a:latin typeface="+mn-ea"/>
+              </a:endParaRPr>
+            </a:p>
+            <a:p>
+              <a:pPr algn="ctr"/>
+              <a:r>
+                <a:rPr lang="ko-KR" altLang="en-US" sz="1000" b="1" dirty="0">
+                  <a:solidFill>
+                    <a:schemeClr val="bg1"/>
+                  </a:solidFill>
+                  <a:latin typeface="+mn-ea"/>
+                </a:rPr>
+                <a:t> 사용될 </a:t>
               </a:r>
               <a:endParaRPr lang="en-US" altLang="ko-KR" sz="1000" b="1" dirty="0">
                 <a:solidFill>
@@ -4477,6 +4513,21 @@
 </file>
 
 <file path=customXml/item1.xml><?xml version="1.0" encoding="utf-8"?>
+<p:properties xmlns:p="http://schemas.microsoft.com/office/2006/metadata/properties" xmlns:xsi="http://www.w3.org/2001/XMLSchema-instance" xmlns:pc="http://schemas.microsoft.com/office/infopath/2007/PartnerControls">
+  <documentManagement/>
+</p:properties>
+</file>
+
+<file path=customXml/item2.xml><?xml version="1.0" encoding="utf-8"?>
+<?mso-contentType ?>
+<FormTemplates xmlns="http://schemas.microsoft.com/sharepoint/v3/contenttype/forms">
+  <Display>DocumentLibraryForm</Display>
+  <Edit>DocumentLibraryForm</Edit>
+  <New>DocumentLibraryForm</New>
+</FormTemplates>
+</file>
+
+<file path=customXml/item3.xml><?xml version="1.0" encoding="utf-8"?>
 <ct:contentTypeSchema xmlns:ct="http://schemas.microsoft.com/office/2006/metadata/contentType" xmlns:ma="http://schemas.microsoft.com/office/2006/metadata/properties/metaAttributes" ct:_="" ma:_="" ma:contentTypeName="문서" ma:contentTypeID="0x0101000A8A96BB72180A4DADE8C6068D67E1D4" ma:contentTypeVersion="10" ma:contentTypeDescription="새 문서를 만듭니다." ma:contentTypeScope="" ma:versionID="16b156beef954a935a1f16db63f13baa">
   <xsd:schema xmlns:xsd="http://www.w3.org/2001/XMLSchema" xmlns:xs="http://www.w3.org/2001/XMLSchema" xmlns:p="http://schemas.microsoft.com/office/2006/metadata/properties" xmlns:ns3="18bcef3e-2828-4a4c-b799-ea1abf16fa24" targetNamespace="http://schemas.microsoft.com/office/2006/metadata/properties" ma:root="true" ma:fieldsID="7e9120c0a331c27c3f76d1e063281cdf" ns3:_="">
     <xsd:import namespace="18bcef3e-2828-4a4c-b799-ea1abf16fa24"/>
@@ -4660,22 +4711,31 @@
 </ct:contentTypeSchema>
 </file>
 
-<file path=customXml/item2.xml><?xml version="1.0" encoding="utf-8"?>
-<?mso-contentType ?>
-<FormTemplates xmlns="http://schemas.microsoft.com/sharepoint/v3/contenttype/forms">
-  <Display>DocumentLibraryForm</Display>
-  <Edit>DocumentLibraryForm</Edit>
-  <New>DocumentLibraryForm</New>
-</FormTemplates>
+<file path=customXml/itemProps1.xml><?xml version="1.0" encoding="utf-8"?>
+<ds:datastoreItem xmlns:ds="http://schemas.openxmlformats.org/officeDocument/2006/customXml" ds:itemID="{B7B00699-2C92-467B-9CC1-18F32CDFF781}">
+  <ds:schemaRefs>
+    <ds:schemaRef ds:uri="http://schemas.microsoft.com/office/2006/documentManagement/types"/>
+    <ds:schemaRef ds:uri="http://schemas.microsoft.com/office/2006/metadata/properties"/>
+    <ds:schemaRef ds:uri="http://purl.org/dc/terms/"/>
+    <ds:schemaRef ds:uri="http://purl.org/dc/elements/1.1/"/>
+    <ds:schemaRef ds:uri="18bcef3e-2828-4a4c-b799-ea1abf16fa24"/>
+    <ds:schemaRef ds:uri="http://www.w3.org/XML/1998/namespace"/>
+    <ds:schemaRef ds:uri="http://schemas.microsoft.com/office/infopath/2007/PartnerControls"/>
+    <ds:schemaRef ds:uri="http://schemas.openxmlformats.org/package/2006/metadata/core-properties"/>
+    <ds:schemaRef ds:uri="http://purl.org/dc/dcmitype/"/>
+  </ds:schemaRefs>
+</ds:datastoreItem>
 </file>
 
-<file path=customXml/item3.xml><?xml version="1.0" encoding="utf-8"?>
-<p:properties xmlns:p="http://schemas.microsoft.com/office/2006/metadata/properties" xmlns:xsi="http://www.w3.org/2001/XMLSchema-instance" xmlns:pc="http://schemas.microsoft.com/office/infopath/2007/PartnerControls">
-  <documentManagement/>
-</p:properties>
+<file path=customXml/itemProps2.xml><?xml version="1.0" encoding="utf-8"?>
+<ds:datastoreItem xmlns:ds="http://schemas.openxmlformats.org/officeDocument/2006/customXml" ds:itemID="{06C64C0E-B3C5-493A-9162-D7B60485A8AD}">
+  <ds:schemaRefs>
+    <ds:schemaRef ds:uri="http://schemas.microsoft.com/sharepoint/v3/contenttype/forms"/>
+  </ds:schemaRefs>
+</ds:datastoreItem>
 </file>
 
-<file path=customXml/itemProps1.xml><?xml version="1.0" encoding="utf-8"?>
+<file path=customXml/itemProps3.xml><?xml version="1.0" encoding="utf-8"?>
 <ds:datastoreItem xmlns:ds="http://schemas.openxmlformats.org/officeDocument/2006/customXml" ds:itemID="{65CE2AE8-4F34-4B51-B385-005410E9F016}">
   <ds:schemaRefs>
     <ds:schemaRef ds:uri="http://schemas.microsoft.com/office/2006/metadata/contentType"/>
@@ -4691,28 +4751,4 @@
     <ds:schemaRef ds:uri="http://schemas.microsoft.com/internal/obd"/>
   </ds:schemaRefs>
 </ds:datastoreItem>
-</file>
-
-<file path=customXml/itemProps2.xml><?xml version="1.0" encoding="utf-8"?>
-<ds:datastoreItem xmlns:ds="http://schemas.openxmlformats.org/officeDocument/2006/customXml" ds:itemID="{06C64C0E-B3C5-493A-9162-D7B60485A8AD}">
-  <ds:schemaRefs>
-    <ds:schemaRef ds:uri="http://schemas.microsoft.com/sharepoint/v3/contenttype/forms"/>
-  </ds:schemaRefs>
-</ds:datastoreItem>
-</file>
-
-<file path=customXml/itemProps3.xml><?xml version="1.0" encoding="utf-8"?>
-<ds:datastoreItem xmlns:ds="http://schemas.openxmlformats.org/officeDocument/2006/customXml" ds:itemID="{B7B00699-2C92-467B-9CC1-18F32CDFF781}">
-  <ds:schemaRefs>
-    <ds:schemaRef ds:uri="http://schemas.microsoft.com/office/2006/documentManagement/types"/>
-    <ds:schemaRef ds:uri="http://schemas.microsoft.com/office/2006/metadata/properties"/>
-    <ds:schemaRef ds:uri="http://purl.org/dc/terms/"/>
-    <ds:schemaRef ds:uri="http://purl.org/dc/elements/1.1/"/>
-    <ds:schemaRef ds:uri="18bcef3e-2828-4a4c-b799-ea1abf16fa24"/>
-    <ds:schemaRef ds:uri="http://www.w3.org/XML/1998/namespace"/>
-    <ds:schemaRef ds:uri="http://schemas.microsoft.com/office/infopath/2007/PartnerControls"/>
-    <ds:schemaRef ds:uri="http://schemas.openxmlformats.org/package/2006/metadata/core-properties"/>
-    <ds:schemaRef ds:uri="http://purl.org/dc/dcmitype/"/>
-  </ds:schemaRefs>
-</ds:datastoreItem>
 </file>